--- a/sctm146-proekt-unrvk-3.pptx
+++ b/sctm146-proekt-unrvk-3.pptx
@@ -268,7 +268,7 @@
           <a:p>
             <a:fld id="{12066D7E-410F-F84A-90D5-B2B4358295EE}" type="datetimeFigureOut">
               <a:rPr lang="en-GB" smtClean="0"/>
-              <a:t>16/03/2022</a:t>
+              <a:t>17/03/2022</a:t>
             </a:fld>
             <a:endParaRPr lang="en-GB"/>
           </a:p>
@@ -466,7 +466,7 @@
           <a:p>
             <a:fld id="{12066D7E-410F-F84A-90D5-B2B4358295EE}" type="datetimeFigureOut">
               <a:rPr lang="en-GB" smtClean="0"/>
-              <a:t>16/03/2022</a:t>
+              <a:t>17/03/2022</a:t>
             </a:fld>
             <a:endParaRPr lang="en-GB"/>
           </a:p>
@@ -674,7 +674,7 @@
           <a:p>
             <a:fld id="{12066D7E-410F-F84A-90D5-B2B4358295EE}" type="datetimeFigureOut">
               <a:rPr lang="en-GB" smtClean="0"/>
-              <a:t>16/03/2022</a:t>
+              <a:t>17/03/2022</a:t>
             </a:fld>
             <a:endParaRPr lang="en-GB"/>
           </a:p>
@@ -872,7 +872,7 @@
           <a:p>
             <a:fld id="{12066D7E-410F-F84A-90D5-B2B4358295EE}" type="datetimeFigureOut">
               <a:rPr lang="en-GB" smtClean="0"/>
-              <a:t>16/03/2022</a:t>
+              <a:t>17/03/2022</a:t>
             </a:fld>
             <a:endParaRPr lang="en-GB"/>
           </a:p>
@@ -1147,7 +1147,7 @@
           <a:p>
             <a:fld id="{12066D7E-410F-F84A-90D5-B2B4358295EE}" type="datetimeFigureOut">
               <a:rPr lang="en-GB" smtClean="0"/>
-              <a:t>16/03/2022</a:t>
+              <a:t>17/03/2022</a:t>
             </a:fld>
             <a:endParaRPr lang="en-GB"/>
           </a:p>
@@ -1412,7 +1412,7 @@
           <a:p>
             <a:fld id="{12066D7E-410F-F84A-90D5-B2B4358295EE}" type="datetimeFigureOut">
               <a:rPr lang="en-GB" smtClean="0"/>
-              <a:t>16/03/2022</a:t>
+              <a:t>17/03/2022</a:t>
             </a:fld>
             <a:endParaRPr lang="en-GB"/>
           </a:p>
@@ -1824,7 +1824,7 @@
           <a:p>
             <a:fld id="{12066D7E-410F-F84A-90D5-B2B4358295EE}" type="datetimeFigureOut">
               <a:rPr lang="en-GB" smtClean="0"/>
-              <a:t>16/03/2022</a:t>
+              <a:t>17/03/2022</a:t>
             </a:fld>
             <a:endParaRPr lang="en-GB"/>
           </a:p>
@@ -1965,7 +1965,7 @@
           <a:p>
             <a:fld id="{12066D7E-410F-F84A-90D5-B2B4358295EE}" type="datetimeFigureOut">
               <a:rPr lang="en-GB" smtClean="0"/>
-              <a:t>16/03/2022</a:t>
+              <a:t>17/03/2022</a:t>
             </a:fld>
             <a:endParaRPr lang="en-GB"/>
           </a:p>
@@ -2078,7 +2078,7 @@
           <a:p>
             <a:fld id="{12066D7E-410F-F84A-90D5-B2B4358295EE}" type="datetimeFigureOut">
               <a:rPr lang="en-GB" smtClean="0"/>
-              <a:t>16/03/2022</a:t>
+              <a:t>17/03/2022</a:t>
             </a:fld>
             <a:endParaRPr lang="en-GB"/>
           </a:p>
@@ -2389,7 +2389,7 @@
           <a:p>
             <a:fld id="{12066D7E-410F-F84A-90D5-B2B4358295EE}" type="datetimeFigureOut">
               <a:rPr lang="en-GB" smtClean="0"/>
-              <a:t>16/03/2022</a:t>
+              <a:t>17/03/2022</a:t>
             </a:fld>
             <a:endParaRPr lang="en-GB"/>
           </a:p>
@@ -2677,7 +2677,7 @@
           <a:p>
             <a:fld id="{12066D7E-410F-F84A-90D5-B2B4358295EE}" type="datetimeFigureOut">
               <a:rPr lang="en-GB" smtClean="0"/>
-              <a:t>16/03/2022</a:t>
+              <a:t>17/03/2022</a:t>
             </a:fld>
             <a:endParaRPr lang="en-GB"/>
           </a:p>
@@ -2918,7 +2918,7 @@
           <a:p>
             <a:fld id="{12066D7E-410F-F84A-90D5-B2B4358295EE}" type="datetimeFigureOut">
               <a:rPr lang="en-GB" smtClean="0"/>
-              <a:t>16/03/2022</a:t>
+              <a:t>17/03/2022</a:t>
             </a:fld>
             <a:endParaRPr lang="en-GB"/>
           </a:p>
@@ -3354,34 +3354,62 @@
         <p:spPr/>
         <p:txBody>
           <a:bodyPr>
-            <a:normAutofit fontScale="90000"/>
+            <a:noAutofit/>
           </a:bodyPr>
           <a:lstStyle/>
           <a:p>
             <a:r>
-              <a:rPr lang="en-GB" dirty="0"/>
-              <a:t>SCTM-146 </a:t>
-            </a:r>
-            <a:r>
-              <a:rPr lang="bg-BG" dirty="0"/>
-              <a:t>Проект: Управление на риска при </a:t>
-            </a:r>
-            <a:r>
-              <a:rPr lang="en-GB" dirty="0"/>
+              <a:rPr lang="en-GB" sz="4400" dirty="0"/>
+              <a:t>SCTM-1</a:t>
+            </a:r>
+            <a:r>
+              <a:rPr lang="bg-BG" sz="4400" dirty="0"/>
+              <a:t>52</a:t>
+            </a:r>
+            <a:r>
+              <a:rPr lang="en-GB" sz="4400" dirty="0"/>
+              <a:t> </a:t>
+            </a:r>
+            <a:r>
+              <a:rPr lang="bg-BG" sz="4400" dirty="0"/>
+              <a:t>Проект: </a:t>
+            </a:r>
+            <a:br>
+              <a:rPr lang="bg-BG" sz="4400" dirty="0"/>
+            </a:br>
+            <a:r>
+              <a:rPr lang="bg-BG" sz="4400" dirty="0"/>
+              <a:t>Противодействие срещу </a:t>
+            </a:r>
+            <a:r>
+              <a:rPr lang="bg-BG" sz="4400" dirty="0" err="1"/>
+              <a:t>киберпрестъпление</a:t>
+            </a:r>
+            <a:r>
+              <a:rPr lang="bg-BG" sz="4400" dirty="0"/>
+              <a:t> използващо </a:t>
+            </a:r>
+            <a:r>
+              <a:rPr lang="en-GB" sz="4400" dirty="0"/>
               <a:t>e</a:t>
             </a:r>
             <a:r>
-              <a:rPr lang="bg-BG" dirty="0" err="1"/>
+              <a:rPr lang="bg-BG" sz="4400" dirty="0" err="1"/>
               <a:t>ксплойт</a:t>
             </a:r>
             <a:r>
-              <a:rPr lang="bg-BG" dirty="0"/>
+              <a:rPr lang="bg-BG" sz="4400" dirty="0"/>
               <a:t> "нулев ден" (0</a:t>
             </a:r>
             <a:r>
-              <a:rPr lang="en-GB" dirty="0"/>
+              <a:rPr lang="en-GB" sz="4400" dirty="0"/>
               <a:t>day)</a:t>
             </a:r>
+            <a:r>
+              <a:rPr lang="bg-BG" sz="4400" dirty="0"/>
+              <a:t> с практически пример</a:t>
+            </a:r>
+            <a:endParaRPr lang="en-GB" sz="4400" dirty="0"/>
           </a:p>
         </p:txBody>
       </p:sp>
